--- a/2021-1-27 - NDC London - Security Headers/Security Headers Explained.pptx
+++ b/2021-1-27 - NDC London - Security Headers/Security Headers Explained.pptx
@@ -606,32 +606,12 @@
             </a:pPr>
             <a:r>
               <a:rPr lang="en-US" dirty="0"/>
-              <a:t>Connect to </a:t>
+              <a:t>- Connect to </a:t>
             </a:r>
             <a:r>
               <a:rPr lang="en-US" dirty="0" err="1"/>
               <a:t>WiFi</a:t>
             </a:r>
-            <a:endParaRPr lang="en-US" dirty="0"/>
-          </a:p>
-          <a:p>
-            <a:pPr marL="0" marR="0" lvl="0" indent="0" algn="l" defTabSz="914400" rtl="0" eaLnBrk="1" fontAlgn="auto" latinLnBrk="0" hangingPunct="1">
-              <a:lnSpc>
-                <a:spcPct val="100000"/>
-              </a:lnSpc>
-              <a:spcBef>
-                <a:spcPts val="0"/>
-              </a:spcBef>
-              <a:spcAft>
-                <a:spcPts val="0"/>
-              </a:spcAft>
-              <a:buClrTx/>
-              <a:buSzTx/>
-              <a:buFontTx/>
-              <a:buNone/>
-              <a:tabLst/>
-              <a:defRPr/>
-            </a:pPr>
             <a:endParaRPr lang="en-US" dirty="0"/>
           </a:p>
           <a:p>
@@ -654,28 +634,8 @@
             </a:pPr>
             <a:r>
               <a:rPr lang="en-US" dirty="0"/>
-              <a:t>dotnet watch run</a:t>
+              <a:t>- Get WebEx chat ready</a:t>
             </a:r>
-          </a:p>
-          <a:p>
-            <a:pPr marL="0" marR="0" lvl="0" indent="0" algn="l" defTabSz="914400" rtl="0" eaLnBrk="1" fontAlgn="auto" latinLnBrk="0" hangingPunct="1">
-              <a:lnSpc>
-                <a:spcPct val="100000"/>
-              </a:lnSpc>
-              <a:spcBef>
-                <a:spcPts val="0"/>
-              </a:spcBef>
-              <a:spcAft>
-                <a:spcPts val="0"/>
-              </a:spcAft>
-              <a:buClrTx/>
-              <a:buSzTx/>
-              <a:buFontTx/>
-              <a:buNone/>
-              <a:tabLst/>
-              <a:defRPr/>
-            </a:pPr>
-            <a:endParaRPr lang="en-US" dirty="0"/>
           </a:p>
           <a:p>
             <a:pPr marL="0" marR="0" lvl="0" indent="0" algn="l" defTabSz="914400" rtl="0" eaLnBrk="1" fontAlgn="auto" latinLnBrk="0" hangingPunct="1">
@@ -697,58 +657,8 @@
             </a:pPr>
             <a:r>
               <a:rPr lang="en-US" dirty="0"/>
-              <a:t>Open localhost</a:t>
+              <a:t>- Crank down sound on YouTube</a:t>
             </a:r>
-            <a:endParaRPr lang="en-US" dirty="0">
-              <a:hlinkClick r:id="rId3"/>
-            </a:endParaRPr>
-          </a:p>
-          <a:p>
-            <a:endParaRPr lang="en-US" dirty="0">
-              <a:hlinkClick r:id="rId3"/>
-            </a:endParaRPr>
-          </a:p>
-          <a:p>
-            <a:r>
-              <a:rPr lang="en-US" dirty="0">
-                <a:hlinkClick r:id="rId4"/>
-              </a:rPr>
-              <a:t>https://nohstssecurityheaderstalk.azurewebsites.net/</a:t>
-            </a:r>
-            <a:endParaRPr lang="en-US" dirty="0"/>
-          </a:p>
-          <a:p>
-            <a:endParaRPr lang="en-US" dirty="0">
-              <a:hlinkClick r:id="rId3"/>
-            </a:endParaRPr>
-          </a:p>
-          <a:p>
-            <a:r>
-              <a:rPr lang="en-US" dirty="0">
-                <a:hlinkClick r:id="rId4"/>
-              </a:rPr>
-              <a:t>https://hstssecurityheaderstalk.azurewebsites.net/</a:t>
-            </a:r>
-            <a:endParaRPr lang="en-US" dirty="0">
-              <a:hlinkClick r:id="rId3"/>
-            </a:endParaRPr>
-          </a:p>
-          <a:p>
-            <a:endParaRPr lang="en-US" dirty="0">
-              <a:hlinkClick r:id="rId3"/>
-            </a:endParaRPr>
-          </a:p>
-          <a:p>
-            <a:r>
-              <a:rPr lang="en-US" dirty="0">
-                <a:hlinkClick r:id="rId3"/>
-              </a:rPr>
-              <a:t>https://www.youtube.com/watch?v=2maaprwncgw</a:t>
-            </a:r>
-            <a:endParaRPr lang="en-US" dirty="0"/>
-          </a:p>
-          <a:p>
-            <a:endParaRPr lang="en-US" dirty="0"/>
           </a:p>
           <a:p>
             <a:pPr marL="0" marR="0" lvl="0" indent="0" algn="l" defTabSz="914400" rtl="0" eaLnBrk="1" fontAlgn="auto" latinLnBrk="0" hangingPunct="1">
@@ -770,7 +680,92 @@
             </a:pPr>
             <a:r>
               <a:rPr lang="en-US" dirty="0"/>
-              <a:t>https://gist.githubusercontent.com/clarkio/32c7dba41dfb3418eaf1/raw/a1b8ea15238efa04a019923d4c04dd9294f15171/csp-harlem-shake-test.js</a:t>
+              <a:t>- dotnet watch run</a:t>
+            </a:r>
+          </a:p>
+          <a:p>
+            <a:pPr marL="0" marR="0" lvl="0" indent="0" algn="l" defTabSz="914400" rtl="0" eaLnBrk="1" fontAlgn="auto" latinLnBrk="0" hangingPunct="1">
+              <a:lnSpc>
+                <a:spcPct val="100000"/>
+              </a:lnSpc>
+              <a:spcBef>
+                <a:spcPts val="0"/>
+              </a:spcBef>
+              <a:spcAft>
+                <a:spcPts val="0"/>
+              </a:spcAft>
+              <a:buClrTx/>
+              <a:buSzTx/>
+              <a:buFontTx/>
+              <a:buNone/>
+              <a:tabLst/>
+              <a:defRPr/>
+            </a:pPr>
+            <a:r>
+              <a:rPr lang="en-US" dirty="0"/>
+              <a:t>- Open localhost</a:t>
+            </a:r>
+          </a:p>
+          <a:p>
+            <a:pPr marL="0" marR="0" lvl="0" indent="0" algn="l" defTabSz="914400" rtl="0" eaLnBrk="1" fontAlgn="auto" latinLnBrk="0" hangingPunct="1">
+              <a:lnSpc>
+                <a:spcPct val="100000"/>
+              </a:lnSpc>
+              <a:spcBef>
+                <a:spcPts val="0"/>
+              </a:spcBef>
+              <a:spcAft>
+                <a:spcPts val="0"/>
+              </a:spcAft>
+              <a:buClrTx/>
+              <a:buSzTx/>
+              <a:buFontTx/>
+              <a:buNone/>
+              <a:tabLst/>
+              <a:defRPr/>
+            </a:pPr>
+            <a:r>
+              <a:rPr lang="en-US" dirty="0"/>
+              <a:t>- </a:t>
+            </a:r>
+            <a:r>
+              <a:rPr lang="en-US" dirty="0">
+                <a:hlinkClick r:id="rId3"/>
+              </a:rPr>
+              <a:t>https://nohstssecurityheaderstalk.azurewebsites.net/</a:t>
+            </a:r>
+            <a:endParaRPr lang="en-US" dirty="0"/>
+          </a:p>
+          <a:p>
+            <a:r>
+              <a:rPr lang="en-US" dirty="0">
+                <a:hlinkClick r:id="rId4"/>
+              </a:rPr>
+              <a:t>- </a:t>
+            </a:r>
+            <a:r>
+              <a:rPr lang="en-US" dirty="0">
+                <a:hlinkClick r:id="rId3"/>
+              </a:rPr>
+              <a:t>https://hstssecurityheaderstalk.azurewebsites.net/</a:t>
+            </a:r>
+            <a:endParaRPr lang="en-US" dirty="0">
+              <a:hlinkClick r:id="rId4"/>
+            </a:endParaRPr>
+          </a:p>
+          <a:p>
+            <a:r>
+              <a:rPr lang="en-US" dirty="0">
+                <a:hlinkClick r:id="rId4"/>
+              </a:rPr>
+              <a:t>- https://www.youtube.com/watch?v=2maaprwncgw</a:t>
+            </a:r>
+            <a:endParaRPr lang="en-US" dirty="0"/>
+          </a:p>
+          <a:p>
+            <a:r>
+              <a:rPr lang="en-US" dirty="0"/>
+              <a:t>- https://gist.githubusercontent.com/clarkio/32c7dba41dfb3418eaf1/raw/a1b8ea15238efa04a019923d4c04dd9294f15171/csp-harlem-shake-test.js</a:t>
             </a:r>
           </a:p>
           <a:p>
@@ -2147,32 +2142,6 @@
           <a:bodyPr/>
           <a:lstStyle/>
           <a:p>
-            <a:pPr lvl="1"/>
-            <a:r>
-              <a:rPr lang="en-US" dirty="0">
-                <a:hlinkClick r:id="rId3"/>
-              </a:rPr>
-              <a:t>https://nohstssecurityheaderstalk.azurewebsites.net/</a:t>
-            </a:r>
-            <a:r>
-              <a:rPr lang="en-US" dirty="0"/>
-              <a:t> – no HSTS</a:t>
-            </a:r>
-          </a:p>
-          <a:p>
-            <a:pPr lvl="1"/>
-            <a:r>
-              <a:rPr lang="en-US" dirty="0">
-                <a:hlinkClick r:id="rId4"/>
-              </a:rPr>
-              <a:t>https://hstssecurityheaderstalk.azurewebsites.net/</a:t>
-            </a:r>
-            <a:r>
-              <a:rPr lang="en-US" dirty="0"/>
-              <a:t> – has HSTS</a:t>
-            </a:r>
-          </a:p>
-          <a:p>
             <a:endParaRPr lang="en-US" dirty="0"/>
           </a:p>
         </p:txBody>
@@ -2509,32 +2478,6 @@
           <a:bodyPr/>
           <a:lstStyle/>
           <a:p>
-            <a:pPr lvl="1"/>
-            <a:r>
-              <a:rPr lang="en-US" dirty="0">
-                <a:hlinkClick r:id="rId3"/>
-              </a:rPr>
-              <a:t>https://nohstssecurityheaderstalk.azurewebsites.net/</a:t>
-            </a:r>
-            <a:r>
-              <a:rPr lang="en-US" dirty="0"/>
-              <a:t> – no HSTS</a:t>
-            </a:r>
-          </a:p>
-          <a:p>
-            <a:pPr lvl="1"/>
-            <a:r>
-              <a:rPr lang="en-US" dirty="0">
-                <a:hlinkClick r:id="rId4"/>
-              </a:rPr>
-              <a:t>https://hstssecurityheaderstalk.azurewebsites.net/</a:t>
-            </a:r>
-            <a:r>
-              <a:rPr lang="en-US" dirty="0"/>
-              <a:t> – has HSTS</a:t>
-            </a:r>
-          </a:p>
-          <a:p>
             <a:endParaRPr lang="en-US" dirty="0"/>
           </a:p>
         </p:txBody>
@@ -3294,32 +3237,6 @@
           <a:bodyPr/>
           <a:lstStyle/>
           <a:p>
-            <a:pPr lvl="1"/>
-            <a:r>
-              <a:rPr lang="en-US" dirty="0">
-                <a:hlinkClick r:id="rId3"/>
-              </a:rPr>
-              <a:t>https://nohstssecurityheaderstalk.azurewebsites.net/</a:t>
-            </a:r>
-            <a:r>
-              <a:rPr lang="en-US" dirty="0"/>
-              <a:t> – no HSTS</a:t>
-            </a:r>
-          </a:p>
-          <a:p>
-            <a:pPr lvl="1"/>
-            <a:r>
-              <a:rPr lang="en-US" dirty="0">
-                <a:hlinkClick r:id="rId4"/>
-              </a:rPr>
-              <a:t>https://hstssecurityheaderstalk.azurewebsites.net/</a:t>
-            </a:r>
-            <a:r>
-              <a:rPr lang="en-US" dirty="0"/>
-              <a:t> – has HSTS</a:t>
-            </a:r>
-          </a:p>
-          <a:p>
             <a:endParaRPr lang="en-US" dirty="0"/>
           </a:p>
         </p:txBody>
@@ -3572,10 +3489,7 @@
           <a:bodyPr/>
           <a:lstStyle/>
           <a:p>
-            <a:r>
-              <a:rPr lang="en-US" dirty="0"/>
-              <a:t>Any questions about XSS before we talk about how to prevent it</a:t>
-            </a:r>
+            <a:endParaRPr lang="en-US" dirty="0"/>
           </a:p>
         </p:txBody>
       </p:sp>
@@ -3995,10 +3909,7 @@
           <a:bodyPr/>
           <a:lstStyle/>
           <a:p>
-            <a:r>
-              <a:rPr lang="en-US" dirty="0"/>
-              <a:t>Any questions about XSS before we talk about how to prevent it</a:t>
-            </a:r>
+            <a:endParaRPr lang="en-US" dirty="0"/>
           </a:p>
         </p:txBody>
       </p:sp>
@@ -4690,10 +4601,7 @@
           <a:bodyPr/>
           <a:lstStyle/>
           <a:p>
-            <a:r>
-              <a:rPr lang="en-US" dirty="0"/>
-              <a:t>Any questions about XSS before we talk about how to prevent it</a:t>
-            </a:r>
+            <a:endParaRPr lang="en-US" dirty="0"/>
           </a:p>
         </p:txBody>
       </p:sp>
@@ -5029,32 +4937,6 @@
           <a:bodyPr/>
           <a:lstStyle/>
           <a:p>
-            <a:pPr lvl="1"/>
-            <a:r>
-              <a:rPr lang="en-US" dirty="0">
-                <a:hlinkClick r:id="rId3"/>
-              </a:rPr>
-              <a:t>https://nohstssecurityheaderstalk.azurewebsites.net/</a:t>
-            </a:r>
-            <a:r>
-              <a:rPr lang="en-US" dirty="0"/>
-              <a:t> – no HSTS</a:t>
-            </a:r>
-          </a:p>
-          <a:p>
-            <a:pPr lvl="1"/>
-            <a:r>
-              <a:rPr lang="en-US" dirty="0">
-                <a:hlinkClick r:id="rId4"/>
-              </a:rPr>
-              <a:t>https://hstssecurityheaderstalk.azurewebsites.net/</a:t>
-            </a:r>
-            <a:r>
-              <a:rPr lang="en-US" dirty="0"/>
-              <a:t> – has HSTS</a:t>
-            </a:r>
-          </a:p>
-          <a:p>
             <a:endParaRPr lang="en-US" dirty="0"/>
           </a:p>
         </p:txBody>
@@ -5391,10 +5273,7 @@
           <a:bodyPr/>
           <a:lstStyle/>
           <a:p>
-            <a:r>
-              <a:rPr lang="en-US" dirty="0"/>
-              <a:t>Any questions about XSS before we talk about how to prevent it</a:t>
-            </a:r>
+            <a:endParaRPr lang="en-US" dirty="0"/>
           </a:p>
         </p:txBody>
       </p:sp>
@@ -23179,7 +23058,7 @@
           <a:p>
             <a:r>
               <a:rPr lang="en-US" dirty="0"/>
-              <a:t>Most modern frameworks/browsers help you out here.</a:t>
+              <a:t>Most modern frameworks help you out here.</a:t>
             </a:r>
           </a:p>
           <a:p>
@@ -23199,13 +23078,8 @@
           <a:p>
             <a:r>
               <a:rPr lang="en-US" dirty="0"/>
-              <a:t>React escapes non-props characters </a:t>
+              <a:t>React escapes non-props characters by default</a:t>
             </a:r>
-            <a:r>
-              <a:rPr lang="en-US"/>
-              <a:t>by default</a:t>
-            </a:r>
-            <a:endParaRPr lang="en-US" dirty="0"/>
           </a:p>
         </p:txBody>
       </p:sp>
@@ -46608,9 +46482,16 @@
               <a:rPr lang="en-US" dirty="0">
                 <a:hlinkClick r:id="rId5"/>
               </a:rPr>
-              <a:t>https://github.com/scottsauber/security-headers-talk</a:t>
+              <a:t>https://github.com/scottsauber/talks</a:t>
             </a:r>
             <a:endParaRPr lang="en-US" dirty="0"/>
+          </a:p>
+          <a:p>
+            <a:pPr lvl="1"/>
+            <a:r>
+              <a:rPr lang="en-US" dirty="0"/>
+              <a:t>Click</a:t>
+            </a:r>
           </a:p>
           <a:p>
             <a:r>
